--- a/docs/diagrams/UpdateTableAddTableStateListDiagram.pptx
+++ b/docs/diagrams/UpdateTableAddTableStateListDiagram.pptx
@@ -3404,7 +3404,7 @@
         <p:spPr>
           <a:xfrm>
             <a:off x="364797" y="1375953"/>
-            <a:ext cx="11364686" cy="618187"/>
+            <a:ext cx="11160896" cy="618187"/>
           </a:xfrm>
           <a:prstGeom prst="rect">
             <a:avLst/>
@@ -3450,7 +3450,7 @@
         <p:spPr>
           <a:xfrm>
             <a:off x="387404" y="3838574"/>
-            <a:ext cx="11364686" cy="593918"/>
+            <a:ext cx="11138289" cy="593918"/>
           </a:xfrm>
           <a:prstGeom prst="rect">
             <a:avLst/>
@@ -3502,7 +3502,7 @@
           <p:nvPr>
             <p:extLst>
               <p:ext uri="{D42A27DB-BD31-4B8C-83A1-F6EECF244321}">
-                <p14:modId xmlns:p14="http://schemas.microsoft.com/office/powerpoint/2010/main" val="3016928521"/>
+                <p14:modId xmlns:p14="http://schemas.microsoft.com/office/powerpoint/2010/main" val="1693971514"/>
               </p:ext>
             </p:extLst>
           </p:nvPr>
@@ -3645,7 +3645,7 @@
           <p:nvPr>
             <p:extLst>
               <p:ext uri="{D42A27DB-BD31-4B8C-83A1-F6EECF244321}">
-                <p14:modId xmlns:p14="http://schemas.microsoft.com/office/powerpoint/2010/main" val="3543251034"/>
+                <p14:modId xmlns:p14="http://schemas.microsoft.com/office/powerpoint/2010/main" val="3062106924"/>
               </p:ext>
             </p:extLst>
           </p:nvPr>
